--- a/Laboratory Latex/Lab04HighLow/LMS Upload Lab04/Lab 4.pptx
+++ b/Laboratory Latex/Lab04HighLow/LMS Upload Lab04/Lab 4.pptx
@@ -5,10 +5,10 @@
     <p:sldMasterId id="2147483648" r:id="rId1"/>
   </p:sldMasterIdLst>
   <p:notesMasterIdLst>
-    <p:notesMasterId r:id="rId13"/>
+    <p:notesMasterId r:id="rId14"/>
   </p:notesMasterIdLst>
   <p:handoutMasterIdLst>
-    <p:handoutMasterId r:id="rId14"/>
+    <p:handoutMasterId r:id="rId15"/>
   </p:handoutMasterIdLst>
   <p:sldIdLst>
     <p:sldId id="262" r:id="rId2"/>
@@ -21,7 +21,8 @@
     <p:sldId id="639" r:id="rId9"/>
     <p:sldId id="637" r:id="rId10"/>
     <p:sldId id="636" r:id="rId11"/>
-    <p:sldId id="620" r:id="rId12"/>
+    <p:sldId id="642" r:id="rId12"/>
+    <p:sldId id="620" r:id="rId13"/>
   </p:sldIdLst>
   <p:sldSz cx="12192000" cy="6858000"/>
   <p:notesSz cx="6858000" cy="9144000"/>
@@ -318,7 +319,7 @@
               <a:pPr>
                 <a:defRPr/>
               </a:pPr>
-              <a:t>11/17/2024</a:t>
+              <a:t>2/10/2025</a:t>
             </a:fld>
             <a:endParaRPr lang="en-US"/>
           </a:p>
@@ -537,7 +538,7 @@
               <a:pPr>
                 <a:defRPr/>
               </a:pPr>
-              <a:t>11/17/2024</a:t>
+              <a:t>2/10/2025</a:t>
             </a:fld>
             <a:endParaRPr lang="en-US"/>
           </a:p>
@@ -1237,7 +1238,7 @@
                   <a:spcPct val="0"/>
                 </a:spcAft>
               </a:pPr>
-              <a:t>11</a:t>
+              <a:t>12</a:t>
             </a:fld>
             <a:endParaRPr lang="en-US">
               <a:cs typeface="Arial" charset="0"/>
@@ -2713,7 +2714,7 @@
               <a:pPr>
                 <a:defRPr/>
               </a:pPr>
-              <a:t>11/17/2024</a:t>
+              <a:t>2/10/2025</a:t>
             </a:fld>
             <a:endParaRPr lang="en-US"/>
           </a:p>
@@ -3215,7 +3216,7 @@
               <a:pPr>
                 <a:defRPr/>
               </a:pPr>
-              <a:t>11/17/2024</a:t>
+              <a:t>2/10/2025</a:t>
             </a:fld>
             <a:endParaRPr lang="en-US"/>
           </a:p>
@@ -3639,7 +3640,7 @@
               <a:pPr>
                 <a:defRPr/>
               </a:pPr>
-              <a:t>11/17/2024</a:t>
+              <a:t>2/10/2025</a:t>
             </a:fld>
             <a:endParaRPr lang="en-US"/>
           </a:p>
@@ -4038,7 +4039,7 @@
               <a:pPr>
                 <a:defRPr/>
               </a:pPr>
-              <a:t>11/17/2024</a:t>
+              <a:t>2/10/2025</a:t>
             </a:fld>
             <a:endParaRPr lang="en-US"/>
           </a:p>
@@ -4447,7 +4448,7 @@
               <a:pPr>
                 <a:defRPr/>
               </a:pPr>
-              <a:t>11/17/2024</a:t>
+              <a:t>2/10/2025</a:t>
             </a:fld>
             <a:endParaRPr lang="en-US"/>
           </a:p>
@@ -4925,7 +4926,7 @@
               <a:pPr>
                 <a:defRPr/>
               </a:pPr>
-              <a:t>11/17/2024</a:t>
+              <a:t>2/10/2025</a:t>
             </a:fld>
             <a:endParaRPr lang="en-US"/>
           </a:p>
@@ -5324,7 +5325,7 @@
               <a:pPr>
                 <a:defRPr/>
               </a:pPr>
-              <a:t>11/17/2024</a:t>
+              <a:t>2/10/2025</a:t>
             </a:fld>
             <a:endParaRPr lang="en-US"/>
           </a:p>
@@ -5784,7 +5785,7 @@
               <a:pPr>
                 <a:defRPr/>
               </a:pPr>
-              <a:t>11/17/2024</a:t>
+              <a:t>2/10/2025</a:t>
             </a:fld>
             <a:endParaRPr lang="en-US"/>
           </a:p>
@@ -6379,7 +6380,7 @@
               <a:pPr>
                 <a:defRPr/>
               </a:pPr>
-              <a:t>11/17/2024</a:t>
+              <a:t>2/10/2025</a:t>
             </a:fld>
             <a:endParaRPr lang="en-US"/>
           </a:p>
@@ -6727,7 +6728,7 @@
               <a:pPr>
                 <a:defRPr/>
               </a:pPr>
-              <a:t>11/17/2024</a:t>
+              <a:t>2/10/2025</a:t>
             </a:fld>
             <a:endParaRPr lang="en-US"/>
           </a:p>
@@ -7016,7 +7017,7 @@
               <a:pPr>
                 <a:defRPr/>
               </a:pPr>
-              <a:t>11/17/2024</a:t>
+              <a:t>2/10/2025</a:t>
             </a:fld>
             <a:endParaRPr lang="en-US"/>
           </a:p>
@@ -8217,7 +8218,7 @@
           <a:lstStyle/>
           <a:p>
             <a:r>
-              <a:rPr lang="en-US">
+              <a:rPr lang="en-US" dirty="0">
                 <a:latin typeface="Arial" charset="0"/>
                 <a:cs typeface="Arial" charset="0"/>
               </a:rPr>
@@ -8242,7 +8243,7 @@
           <a:lstStyle/>
           <a:p>
             <a:r>
-              <a:rPr lang="en-US">
+              <a:rPr lang="en-US" dirty="0">
                 <a:latin typeface="Arial" charset="0"/>
                 <a:cs typeface="Arial" charset="0"/>
               </a:rPr>
@@ -8252,7 +8253,7 @@
           <a:p>
             <a:pPr lvl="1"/>
             <a:r>
-              <a:rPr lang="en-US">
+              <a:rPr lang="en-US" dirty="0">
                 <a:latin typeface="Arial" charset="0"/>
                 <a:cs typeface="Arial" charset="0"/>
               </a:rPr>
@@ -8262,7 +8263,7 @@
           <a:p>
             <a:pPr lvl="1"/>
             <a:r>
-              <a:rPr lang="en-US">
+              <a:rPr lang="en-US" dirty="0">
                 <a:latin typeface="Arial" charset="0"/>
                 <a:cs typeface="Arial" charset="0"/>
               </a:rPr>
@@ -8272,7 +8273,7 @@
           <a:p>
             <a:pPr lvl="1"/>
             <a:r>
-              <a:rPr lang="en-US">
+              <a:rPr lang="en-US" dirty="0">
                 <a:latin typeface="Arial" charset="0"/>
                 <a:cs typeface="Arial" charset="0"/>
               </a:rPr>
@@ -8281,7 +8282,7 @@
           </a:p>
           <a:p>
             <a:r>
-              <a:rPr lang="en-US">
+              <a:rPr lang="en-US" dirty="0">
                 <a:latin typeface="Arial" charset="0"/>
                 <a:cs typeface="Arial" charset="0"/>
               </a:rPr>
@@ -8291,15 +8292,19 @@
           <a:p>
             <a:pPr lvl="1"/>
             <a:r>
-              <a:rPr lang="en-US">
+              <a:rPr lang="en-US" dirty="0" err="1">
                 <a:latin typeface="Arial" charset="0"/>
                 <a:cs typeface="Arial" charset="0"/>
               </a:rPr>
               <a:t>hiLow</a:t>
             </a:r>
-          </a:p>
-          <a:p>
-            <a:endParaRPr lang="en-US">
+            <a:endParaRPr lang="en-US" dirty="0">
+              <a:latin typeface="Arial" charset="0"/>
+              <a:cs typeface="Arial" charset="0"/>
+            </a:endParaRPr>
+          </a:p>
+          <a:p>
+            <a:endParaRPr lang="en-US" dirty="0">
               <a:latin typeface="Arial" charset="0"/>
               <a:cs typeface="Arial" charset="0"/>
             </a:endParaRPr>
@@ -8536,15 +8541,15 @@
             </a:endParaRPr>
           </a:p>
           <a:p>
-            <a:pPr fontAlgn="auto">
+            <a:pPr marL="6350" indent="-6350" fontAlgn="auto">
               <a:lnSpc>
-                <a:spcPct val="107000"/>
+                <a:spcPct val="103000"/>
               </a:lnSpc>
               <a:spcBef>
                 <a:spcPts val="0"/>
               </a:spcBef>
               <a:spcAft>
-                <a:spcPts val="800"/>
+                <a:spcPts val="0"/>
               </a:spcAft>
               <a:defRPr/>
             </a:pPr>
@@ -8557,7 +8562,7 @@
                 <a:ea typeface="Cambria" panose="02040503050406030204" pitchFamily="18" charset="0"/>
                 <a:cs typeface="Cambria" panose="02040503050406030204" pitchFamily="18" charset="0"/>
               </a:rPr>
-              <a:t>genericMux2x1 #(7) </a:t>
+              <a:t> genericMux2x1 #(7) </a:t>
             </a:r>
             <a:r>
               <a:rPr lang="en-US" sz="1000" dirty="0" err="1">
@@ -8568,7 +8573,7 @@
                 <a:ea typeface="Cambria" panose="02040503050406030204" pitchFamily="18" charset="0"/>
                 <a:cs typeface="Cambria" panose="02040503050406030204" pitchFamily="18" charset="0"/>
               </a:rPr>
-              <a:t>muxLsbHex</a:t>
+              <a:t>muxHex</a:t>
             </a:r>
             <a:r>
               <a:rPr lang="en-US" sz="1000" dirty="0">
@@ -8579,7 +8584,7 @@
                 <a:ea typeface="Cambria" panose="02040503050406030204" pitchFamily="18" charset="0"/>
                 <a:cs typeface="Cambria" panose="02040503050406030204" pitchFamily="18" charset="0"/>
               </a:rPr>
-              <a:t>(7'b1111111, </a:t>
+              <a:t>( 7 ’ b1111111 , </a:t>
             </a:r>
             <a:r>
               <a:rPr lang="en-US" sz="1000" dirty="0" err="1">
@@ -8590,7 +8595,7 @@
                 <a:ea typeface="Cambria" panose="02040503050406030204" pitchFamily="18" charset="0"/>
                 <a:cs typeface="Cambria" panose="02040503050406030204" pitchFamily="18" charset="0"/>
               </a:rPr>
-              <a:t>lsbRandHex</a:t>
+              <a:t>randHex</a:t>
             </a:r>
             <a:r>
               <a:rPr lang="en-US" sz="1000" dirty="0">
@@ -8601,7 +8606,7 @@
                 <a:ea typeface="Cambria" panose="02040503050406030204" pitchFamily="18" charset="0"/>
                 <a:cs typeface="Cambria" panose="02040503050406030204" pitchFamily="18" charset="0"/>
               </a:rPr>
-              <a:t>, </a:t>
+              <a:t> , </a:t>
             </a:r>
             <a:r>
               <a:rPr lang="en-US" sz="1000" dirty="0" err="1">
@@ -8623,7 +8628,7 @@
                 <a:ea typeface="Cambria" panose="02040503050406030204" pitchFamily="18" charset="0"/>
                 <a:cs typeface="Cambria" panose="02040503050406030204" pitchFamily="18" charset="0"/>
               </a:rPr>
-              <a:t>, </a:t>
+              <a:t> , </a:t>
             </a:r>
             <a:r>
               <a:rPr lang="en-US" sz="1000" dirty="0" err="1">
@@ -8634,7 +8639,7 @@
                 <a:ea typeface="Cambria" panose="02040503050406030204" pitchFamily="18" charset="0"/>
                 <a:cs typeface="Cambria" panose="02040503050406030204" pitchFamily="18" charset="0"/>
               </a:rPr>
-              <a:t>randLsbSeg</a:t>
+              <a:t>randSeg</a:t>
             </a:r>
             <a:r>
               <a:rPr lang="en-US" sz="1000" dirty="0">
@@ -8645,40 +8650,7 @@
                 <a:ea typeface="Cambria" panose="02040503050406030204" pitchFamily="18" charset="0"/>
                 <a:cs typeface="Cambria" panose="02040503050406030204" pitchFamily="18" charset="0"/>
               </a:rPr>
-              <a:t>);</a:t>
-            </a:r>
-            <a:endParaRPr lang="en-US" sz="1100" dirty="0">
-              <a:solidFill>
-                <a:srgbClr val="000000"/>
-              </a:solidFill>
-              <a:latin typeface="Cambria" panose="02040503050406030204" pitchFamily="18" charset="0"/>
-              <a:ea typeface="Cambria" panose="02040503050406030204" pitchFamily="18" charset="0"/>
-              <a:cs typeface="Cambria" panose="02040503050406030204" pitchFamily="18" charset="0"/>
-            </a:endParaRPr>
-          </a:p>
-          <a:p>
-            <a:pPr marL="6350" indent="-6350" fontAlgn="auto">
-              <a:lnSpc>
-                <a:spcPct val="103000"/>
-              </a:lnSpc>
-              <a:spcBef>
-                <a:spcPts val="0"/>
-              </a:spcBef>
-              <a:spcAft>
-                <a:spcPts val="0"/>
-              </a:spcAft>
-              <a:defRPr/>
-            </a:pPr>
-            <a:r>
-              <a:rPr lang="en-US" sz="1000" dirty="0">
-                <a:solidFill>
-                  <a:srgbClr val="000000"/>
-                </a:solidFill>
-                <a:latin typeface="Courier New" panose="02070309020205020404" pitchFamily="49" charset="0"/>
-                <a:ea typeface="Cambria" panose="02040503050406030204" pitchFamily="18" charset="0"/>
-                <a:cs typeface="Cambria" panose="02040503050406030204" pitchFamily="18" charset="0"/>
-              </a:rPr>
-              <a:t> </a:t>
+              <a:t>); ; </a:t>
             </a:r>
             <a:endParaRPr lang="en-US" sz="1100" dirty="0">
               <a:solidFill>
@@ -8700,6 +8672,165 @@
 </file>
 
 <file path=ppt/slides/slide11.xml><?xml version="1.0" encoding="utf-8"?>
+<p:sld xmlns:a="http://schemas.openxmlformats.org/drawingml/2006/main" xmlns:r="http://schemas.openxmlformats.org/officeDocument/2006/relationships" xmlns:p="http://schemas.openxmlformats.org/presentationml/2006/main">
+  <p:cSld>
+    <p:spTree>
+      <p:nvGrpSpPr>
+        <p:cNvPr id="1" name=""/>
+        <p:cNvGrpSpPr/>
+        <p:nvPr/>
+      </p:nvGrpSpPr>
+      <p:grpSpPr>
+        <a:xfrm>
+          <a:off x="0" y="0"/>
+          <a:ext cx="0" cy="0"/>
+          <a:chOff x="0" y="0"/>
+          <a:chExt cx="0" cy="0"/>
+        </a:xfrm>
+      </p:grpSpPr>
+      <p:sp>
+        <p:nvSpPr>
+          <p:cNvPr id="2" name="Title 1">
+            <a:extLst>
+              <a:ext uri="{FF2B5EF4-FFF2-40B4-BE49-F238E27FC236}">
+                <a16:creationId xmlns:a16="http://schemas.microsoft.com/office/drawing/2014/main" id="{7E8E291E-2CF7-1C05-FE60-008E7DABC9FF}"/>
+              </a:ext>
+            </a:extLst>
+          </p:cNvPr>
+          <p:cNvSpPr>
+            <a:spLocks noGrp="1"/>
+          </p:cNvSpPr>
+          <p:nvPr>
+            <p:ph type="title"/>
+          </p:nvPr>
+        </p:nvSpPr>
+        <p:spPr/>
+        <p:txBody>
+          <a:bodyPr/>
+          <a:lstStyle/>
+          <a:p>
+            <a:r>
+              <a:rPr lang="en-US" dirty="0"/>
+              <a:t>Do File</a:t>
+            </a:r>
+          </a:p>
+        </p:txBody>
+      </p:sp>
+      <p:sp>
+        <p:nvSpPr>
+          <p:cNvPr id="3" name="Content Placeholder 2">
+            <a:extLst>
+              <a:ext uri="{FF2B5EF4-FFF2-40B4-BE49-F238E27FC236}">
+                <a16:creationId xmlns:a16="http://schemas.microsoft.com/office/drawing/2014/main" id="{B2186815-5ADE-BBE3-D539-F70B070DB9A1}"/>
+              </a:ext>
+            </a:extLst>
+          </p:cNvPr>
+          <p:cNvSpPr>
+            <a:spLocks noGrp="1"/>
+          </p:cNvSpPr>
+          <p:nvPr>
+            <p:ph idx="1"/>
+          </p:nvPr>
+        </p:nvSpPr>
+        <p:spPr/>
+        <p:txBody>
+          <a:bodyPr/>
+          <a:lstStyle/>
+          <a:p>
+            <a:r>
+              <a:rPr lang="en-US" dirty="0"/>
+              <a:t>Do file</a:t>
+            </a:r>
+          </a:p>
+          <a:p>
+            <a:pPr lvl="1"/>
+            <a:r>
+              <a:rPr lang="en-US" dirty="0"/>
+              <a:t>Automates adding signals to timing diagram</a:t>
+            </a:r>
+          </a:p>
+          <a:p>
+            <a:r>
+              <a:rPr lang="en-US" dirty="0"/>
+              <a:t>On home page, click How To Guides</a:t>
+            </a:r>
+          </a:p>
+        </p:txBody>
+      </p:sp>
+      <p:pic>
+        <p:nvPicPr>
+          <p:cNvPr id="5" name="Picture 4">
+            <a:extLst>
+              <a:ext uri="{FF2B5EF4-FFF2-40B4-BE49-F238E27FC236}">
+                <a16:creationId xmlns:a16="http://schemas.microsoft.com/office/drawing/2014/main" id="{97DB804B-D730-6DEC-F788-D4A180208752}"/>
+              </a:ext>
+            </a:extLst>
+          </p:cNvPr>
+          <p:cNvPicPr>
+            <a:picLocks noChangeAspect="1"/>
+          </p:cNvPicPr>
+          <p:nvPr/>
+        </p:nvPicPr>
+        <p:blipFill>
+          <a:blip r:embed="rId2"/>
+          <a:stretch>
+            <a:fillRect/>
+          </a:stretch>
+        </p:blipFill>
+        <p:spPr>
+          <a:xfrm>
+            <a:off x="1021257" y="3568622"/>
+            <a:ext cx="3600000" cy="1902857"/>
+          </a:xfrm>
+          <a:prstGeom prst="rect">
+            <a:avLst/>
+          </a:prstGeom>
+        </p:spPr>
+      </p:pic>
+      <p:pic>
+        <p:nvPicPr>
+          <p:cNvPr id="7" name="Picture 6">
+            <a:extLst>
+              <a:ext uri="{FF2B5EF4-FFF2-40B4-BE49-F238E27FC236}">
+                <a16:creationId xmlns:a16="http://schemas.microsoft.com/office/drawing/2014/main" id="{A146930C-6CFB-A05A-E722-A3C24E8E9DF7}"/>
+              </a:ext>
+            </a:extLst>
+          </p:cNvPr>
+          <p:cNvPicPr>
+            <a:picLocks noChangeAspect="1"/>
+          </p:cNvPicPr>
+          <p:nvPr/>
+        </p:nvPicPr>
+        <p:blipFill>
+          <a:blip r:embed="rId3"/>
+          <a:stretch>
+            <a:fillRect/>
+          </a:stretch>
+        </p:blipFill>
+        <p:spPr>
+          <a:xfrm>
+            <a:off x="6095999" y="3428999"/>
+            <a:ext cx="3600000" cy="2107517"/>
+          </a:xfrm>
+          <a:prstGeom prst="rect">
+            <a:avLst/>
+          </a:prstGeom>
+        </p:spPr>
+      </p:pic>
+    </p:spTree>
+    <p:extLst>
+      <p:ext uri="{BB962C8B-B14F-4D97-AF65-F5344CB8AC3E}">
+        <p14:creationId xmlns:p14="http://schemas.microsoft.com/office/powerpoint/2010/main" val="957581931"/>
+      </p:ext>
+    </p:extLst>
+  </p:cSld>
+  <p:clrMapOvr>
+    <a:masterClrMapping/>
+  </p:clrMapOvr>
+</p:sld>
+</file>
+
+<file path=ppt/slides/slide12.xml><?xml version="1.0" encoding="utf-8"?>
 <p:sld xmlns:a="http://schemas.openxmlformats.org/drawingml/2006/main" xmlns:r="http://schemas.openxmlformats.org/officeDocument/2006/relationships" xmlns:p="http://schemas.openxmlformats.org/presentationml/2006/main">
   <p:cSld>
     <p:spTree>
@@ -9791,10 +9922,10 @@
       </p:sp>
       <p:pic>
         <p:nvPicPr>
-          <p:cNvPr id="3" name="Picture 2">
+          <p:cNvPr id="4" name="Picture 3">
             <a:extLst>
               <a:ext uri="{FF2B5EF4-FFF2-40B4-BE49-F238E27FC236}">
-                <a16:creationId xmlns:a16="http://schemas.microsoft.com/office/drawing/2014/main" id="{821D04C9-4D9A-2B6A-A01B-7EB27AEAC747}"/>
+                <a16:creationId xmlns:a16="http://schemas.microsoft.com/office/drawing/2014/main" id="{3D1BA37C-B561-98ED-8969-CA8B6FA68C01}"/>
               </a:ext>
             </a:extLst>
           </p:cNvPr>
@@ -9811,8 +9942,8 @@
         </p:blipFill>
         <p:spPr>
           <a:xfrm>
-            <a:off x="6491955" y="572493"/>
-            <a:ext cx="5602333" cy="5168349"/>
+            <a:off x="6561575" y="823694"/>
+            <a:ext cx="5062850" cy="4670657"/>
           </a:xfrm>
           <a:prstGeom prst="rect">
             <a:avLst/>
@@ -10144,7 +10275,7 @@
           <a:lstStyle/>
           <a:p>
             <a:r>
-              <a:rPr lang="en-US">
+              <a:rPr lang="en-US" dirty="0">
                 <a:latin typeface="Arial" charset="0"/>
                 <a:cs typeface="Arial" charset="0"/>
               </a:rPr>
@@ -10154,7 +10285,7 @@
           <a:p>
             <a:pPr lvl="1"/>
             <a:r>
-              <a:rPr lang="en-US">
+              <a:rPr lang="en-US" dirty="0">
                 <a:latin typeface="Arial" charset="0"/>
                 <a:cs typeface="Arial" charset="0"/>
               </a:rPr>
@@ -10164,7 +10295,7 @@
           <a:p>
             <a:pPr lvl="1"/>
             <a:r>
-              <a:rPr lang="en-US">
+              <a:rPr lang="en-US" dirty="0">
                 <a:latin typeface="Arial" charset="0"/>
                 <a:cs typeface="Arial" charset="0"/>
               </a:rPr>
@@ -10173,7 +10304,7 @@
           </a:p>
           <a:p>
             <a:r>
-              <a:rPr lang="en-US">
+              <a:rPr lang="en-US" dirty="0">
                 <a:latin typeface="Arial" charset="0"/>
                 <a:cs typeface="Arial" charset="0"/>
               </a:rPr>
@@ -10183,7 +10314,7 @@
           <a:p>
             <a:pPr lvl="1"/>
             <a:r>
-              <a:rPr lang="en-US">
+              <a:rPr lang="en-US" dirty="0">
                 <a:latin typeface="Arial" charset="0"/>
                 <a:cs typeface="Arial" charset="0"/>
               </a:rPr>
@@ -10192,7 +10323,7 @@
           </a:p>
           <a:p>
             <a:r>
-              <a:rPr lang="en-US">
+              <a:rPr lang="en-US" dirty="0">
                 <a:latin typeface="Arial" charset="0"/>
                 <a:cs typeface="Arial" charset="0"/>
               </a:rPr>
@@ -10202,7 +10333,7 @@
           <a:p>
             <a:pPr lvl="1"/>
             <a:r>
-              <a:rPr lang="en-US">
+              <a:rPr lang="en-US" dirty="0">
                 <a:latin typeface="Arial" charset="0"/>
                 <a:cs typeface="Arial" charset="0"/>
               </a:rPr>
@@ -10211,7 +10342,7 @@
           </a:p>
           <a:p>
             <a:r>
-              <a:rPr lang="en-US">
+              <a:rPr lang="en-US" dirty="0">
                 <a:latin typeface="Arial" charset="0"/>
                 <a:cs typeface="Arial" charset="0"/>
               </a:rPr>
@@ -10220,7 +10351,7 @@
           </a:p>
           <a:p>
             <a:pPr lvl="1"/>
-            <a:endParaRPr lang="en-US">
+            <a:endParaRPr lang="en-US" dirty="0">
               <a:latin typeface="Arial" charset="0"/>
               <a:cs typeface="Arial" charset="0"/>
             </a:endParaRPr>
@@ -10270,7 +10401,7 @@
         <p:spPr bwMode="auto">
           <a:xfrm>
             <a:off x="5672138" y="3041650"/>
-            <a:ext cx="5845175" cy="904875"/>
+            <a:ext cx="5845175" cy="981710"/>
           </a:xfrm>
           <a:prstGeom prst="rect">
             <a:avLst/>
@@ -10489,15 +10620,15 @@
             </a:endParaRPr>
           </a:p>
           <a:p>
-            <a:pPr fontAlgn="auto">
+            <a:pPr marL="6350" indent="-6350" fontAlgn="auto">
               <a:lnSpc>
-                <a:spcPct val="107000"/>
+                <a:spcPct val="103000"/>
               </a:lnSpc>
               <a:spcBef>
                 <a:spcPts val="0"/>
               </a:spcBef>
               <a:spcAft>
-                <a:spcPts val="800"/>
+                <a:spcPts val="0"/>
               </a:spcAft>
               <a:defRPr/>
             </a:pPr>
@@ -10510,7 +10641,7 @@
                 <a:ea typeface="Cambria" panose="02040503050406030204" pitchFamily="18" charset="0"/>
                 <a:cs typeface="Cambria" panose="02040503050406030204" pitchFamily="18" charset="0"/>
               </a:rPr>
-              <a:t>genericMux2x1 #(4) </a:t>
+              <a:t> genericMux2x1 #(7) </a:t>
             </a:r>
             <a:r>
               <a:rPr lang="en-US" sz="1000" dirty="0" err="1">
@@ -10521,7 +10652,7 @@
                 <a:ea typeface="Cambria" panose="02040503050406030204" pitchFamily="18" charset="0"/>
                 <a:cs typeface="Cambria" panose="02040503050406030204" pitchFamily="18" charset="0"/>
               </a:rPr>
-              <a:t>muxLsbHex</a:t>
+              <a:t>muxHex</a:t>
             </a:r>
             <a:r>
               <a:rPr lang="en-US" sz="1000" dirty="0">
@@ -10532,7 +10663,7 @@
                 <a:ea typeface="Cambria" panose="02040503050406030204" pitchFamily="18" charset="0"/>
                 <a:cs typeface="Cambria" panose="02040503050406030204" pitchFamily="18" charset="0"/>
               </a:rPr>
-              <a:t>(4'b1111, </a:t>
+              <a:t>( 7 ’ b1111111 , </a:t>
             </a:r>
             <a:r>
               <a:rPr lang="en-US" sz="1000" dirty="0" err="1">
@@ -10543,7 +10674,7 @@
                 <a:ea typeface="Cambria" panose="02040503050406030204" pitchFamily="18" charset="0"/>
                 <a:cs typeface="Cambria" panose="02040503050406030204" pitchFamily="18" charset="0"/>
               </a:rPr>
-              <a:t>lsbRandHex</a:t>
+              <a:t>randHex</a:t>
             </a:r>
             <a:r>
               <a:rPr lang="en-US" sz="1000" dirty="0">
@@ -10554,7 +10685,7 @@
                 <a:ea typeface="Cambria" panose="02040503050406030204" pitchFamily="18" charset="0"/>
                 <a:cs typeface="Cambria" panose="02040503050406030204" pitchFamily="18" charset="0"/>
               </a:rPr>
-              <a:t>, </a:t>
+              <a:t> , </a:t>
             </a:r>
             <a:r>
               <a:rPr lang="en-US" sz="1000" dirty="0" err="1">
@@ -10576,7 +10707,7 @@
                 <a:ea typeface="Cambria" panose="02040503050406030204" pitchFamily="18" charset="0"/>
                 <a:cs typeface="Cambria" panose="02040503050406030204" pitchFamily="18" charset="0"/>
               </a:rPr>
-              <a:t>, </a:t>
+              <a:t> , </a:t>
             </a:r>
             <a:r>
               <a:rPr lang="en-US" sz="1000" dirty="0" err="1">
@@ -10587,7 +10718,7 @@
                 <a:ea typeface="Cambria" panose="02040503050406030204" pitchFamily="18" charset="0"/>
                 <a:cs typeface="Cambria" panose="02040503050406030204" pitchFamily="18" charset="0"/>
               </a:rPr>
-              <a:t>randLsbSeg</a:t>
+              <a:t>randSeg</a:t>
             </a:r>
             <a:r>
               <a:rPr lang="en-US" sz="1000" dirty="0">
@@ -10598,40 +10729,7 @@
                 <a:ea typeface="Cambria" panose="02040503050406030204" pitchFamily="18" charset="0"/>
                 <a:cs typeface="Cambria" panose="02040503050406030204" pitchFamily="18" charset="0"/>
               </a:rPr>
-              <a:t>);</a:t>
-            </a:r>
-            <a:endParaRPr lang="en-US" sz="1100" dirty="0">
-              <a:solidFill>
-                <a:srgbClr val="000000"/>
-              </a:solidFill>
-              <a:latin typeface="Cambria" panose="02040503050406030204" pitchFamily="18" charset="0"/>
-              <a:ea typeface="Cambria" panose="02040503050406030204" pitchFamily="18" charset="0"/>
-              <a:cs typeface="Cambria" panose="02040503050406030204" pitchFamily="18" charset="0"/>
-            </a:endParaRPr>
-          </a:p>
-          <a:p>
-            <a:pPr marL="6350" indent="-6350" fontAlgn="auto">
-              <a:lnSpc>
-                <a:spcPct val="103000"/>
-              </a:lnSpc>
-              <a:spcBef>
-                <a:spcPts val="0"/>
-              </a:spcBef>
-              <a:spcAft>
-                <a:spcPts val="0"/>
-              </a:spcAft>
-              <a:defRPr/>
-            </a:pPr>
-            <a:r>
-              <a:rPr lang="en-US" sz="1000" dirty="0">
-                <a:solidFill>
-                  <a:srgbClr val="000000"/>
-                </a:solidFill>
-                <a:latin typeface="Courier New" panose="02070309020205020404" pitchFamily="49" charset="0"/>
-                <a:ea typeface="Cambria" panose="02040503050406030204" pitchFamily="18" charset="0"/>
-                <a:cs typeface="Cambria" panose="02040503050406030204" pitchFamily="18" charset="0"/>
-              </a:rPr>
-              <a:t> </a:t>
+              <a:t> ) ;</a:t>
             </a:r>
             <a:endParaRPr lang="en-US" sz="1100" dirty="0">
               <a:solidFill>
@@ -11133,10 +11231,10 @@
       </p:sp>
       <p:pic>
         <p:nvPicPr>
-          <p:cNvPr id="3" name="Picture 2">
+          <p:cNvPr id="4" name="Picture 3">
             <a:extLst>
               <a:ext uri="{FF2B5EF4-FFF2-40B4-BE49-F238E27FC236}">
-                <a16:creationId xmlns:a16="http://schemas.microsoft.com/office/drawing/2014/main" id="{0F2FEA48-AFD6-24C8-8E8D-9FE2B9F9B403}"/>
+                <a16:creationId xmlns:a16="http://schemas.microsoft.com/office/drawing/2014/main" id="{01986971-A767-EFAB-5ABC-4CFC76D57BE1}"/>
               </a:ext>
             </a:extLst>
           </p:cNvPr>
@@ -11153,8 +11251,8 @@
         </p:blipFill>
         <p:spPr>
           <a:xfrm>
-            <a:off x="6719691" y="580444"/>
-            <a:ext cx="5391167" cy="4973541"/>
+            <a:off x="6830170" y="434081"/>
+            <a:ext cx="5100711" cy="4705585"/>
           </a:xfrm>
           <a:prstGeom prst="rect">
             <a:avLst/>
